--- a/Day1/Ch01_HDFS.pptx
+++ b/Day1/Ch01_HDFS.pptx
@@ -7549,11 +7549,18 @@
               <a:buNone/>
             </a:pPr>
             <a:r>
+              <a:rPr lang="en-US" dirty="0" err="1">
+                <a:latin typeface="Courier New" panose="02070309020205020404" pitchFamily="49" charset="0"/>
+                <a:cs typeface="Courier New" panose="02070309020205020404" pitchFamily="49" charset="0"/>
+              </a:rPr>
+              <a:t>sudu</a:t>
+            </a:r>
+            <a:r>
               <a:rPr lang="en-US" dirty="0">
                 <a:latin typeface="Courier New" panose="02070309020205020404" pitchFamily="49" charset="0"/>
                 <a:cs typeface="Courier New" panose="02070309020205020404" pitchFamily="49" charset="0"/>
               </a:rPr>
-              <a:t>su – </a:t>
+              <a:t> bash </a:t>
             </a:r>
           </a:p>
           <a:p>
@@ -7565,20 +7572,19 @@
                 <a:latin typeface="Courier New" panose="02070309020205020404" pitchFamily="49" charset="0"/>
                 <a:cs typeface="Courier New" panose="02070309020205020404" pitchFamily="49" charset="0"/>
               </a:rPr>
-              <a:t>cd /home/student</a:t>
-            </a:r>
-          </a:p>
-          <a:p>
-            <a:pPr marL="457200" lvl="2" indent="0">
-              <a:buNone/>
-            </a:pPr>
-            <a:r>
-              <a:rPr lang="en-US" dirty="0">
+              <a:t>start-</a:t>
+            </a:r>
+            <a:r>
+              <a:rPr lang="en-US" dirty="0" err="1">
                 <a:latin typeface="Courier New" panose="02070309020205020404" pitchFamily="49" charset="0"/>
                 <a:cs typeface="Courier New" panose="02070309020205020404" pitchFamily="49" charset="0"/>
               </a:rPr>
-              <a:t>./start-hadoop.sh</a:t>
-            </a:r>
+              <a:t>hadoop</a:t>
+            </a:r>
+            <a:endParaRPr lang="en-US" dirty="0">
+              <a:latin typeface="Courier New" panose="02070309020205020404" pitchFamily="49" charset="0"/>
+              <a:cs typeface="Courier New" panose="02070309020205020404" pitchFamily="49" charset="0"/>
+            </a:endParaRPr>
           </a:p>
           <a:p>
             <a:pPr marL="457200" lvl="2" indent="0">
@@ -9359,6 +9365,75 @@
 </file>
 
 <file path=customXml/item1.xml><?xml version="1.0" encoding="utf-8"?>
+<?mso-contentType ?>
+<spe:Receivers xmlns:spe="http://schemas.microsoft.com/sharepoint/events">
+  <Receiver>
+    <Name>Document ID Generator</Name>
+    <Synchronization>Synchronous</Synchronization>
+    <Type>10001</Type>
+    <SequenceNumber>1000</SequenceNumber>
+    <Assembly>Microsoft.Office.DocumentManagement, Version=14.0.0.0, Culture=neutral, PublicKeyToken=71e9bce111e9429c</Assembly>
+    <Class>Microsoft.Office.DocumentManagement.Internal.DocIdHandler</Class>
+    <Data/>
+    <Filter/>
+  </Receiver>
+  <Receiver>
+    <Name>Document ID Generator</Name>
+    <Synchronization>Synchronous</Synchronization>
+    <Type>10002</Type>
+    <SequenceNumber>1001</SequenceNumber>
+    <Assembly>Microsoft.Office.DocumentManagement, Version=14.0.0.0, Culture=neutral, PublicKeyToken=71e9bce111e9429c</Assembly>
+    <Class>Microsoft.Office.DocumentManagement.Internal.DocIdHandler</Class>
+    <Data/>
+    <Filter/>
+  </Receiver>
+  <Receiver>
+    <Name>Document ID Generator</Name>
+    <Synchronization>Synchronous</Synchronization>
+    <Type>10004</Type>
+    <SequenceNumber>1002</SequenceNumber>
+    <Assembly>Microsoft.Office.DocumentManagement, Version=14.0.0.0, Culture=neutral, PublicKeyToken=71e9bce111e9429c</Assembly>
+    <Class>Microsoft.Office.DocumentManagement.Internal.DocIdHandler</Class>
+    <Data/>
+    <Filter/>
+  </Receiver>
+  <Receiver>
+    <Name>Document ID Generator</Name>
+    <Synchronization>Synchronous</Synchronization>
+    <Type>10006</Type>
+    <SequenceNumber>1003</SequenceNumber>
+    <Assembly>Microsoft.Office.DocumentManagement, Version=14.0.0.0, Culture=neutral, PublicKeyToken=71e9bce111e9429c</Assembly>
+    <Class>Microsoft.Office.DocumentManagement.Internal.DocIdHandler</Class>
+    <Data/>
+    <Filter/>
+  </Receiver>
+</spe:Receivers>
+</file>
+
+<file path=customXml/item2.xml><?xml version="1.0" encoding="utf-8"?>
+<?mso-contentType ?>
+<FormTemplates xmlns="http://schemas.microsoft.com/sharepoint/v3/contenttype/forms">
+  <Display>DocumentLibraryForm</Display>
+  <Edit>DocumentLibraryForm</Edit>
+  <New>DocumentLibraryForm</New>
+</FormTemplates>
+</file>
+
+<file path=customXml/item3.xml><?xml version="1.0" encoding="utf-8"?>
+<p:properties xmlns:p="http://schemas.microsoft.com/office/2006/metadata/properties" xmlns:xsi="http://www.w3.org/2001/XMLSchema-instance" xmlns:pc="http://schemas.microsoft.com/office/infopath/2007/PartnerControls">
+  <documentManagement>
+    <_dlc_DocId xmlns="037063e9-a85e-4c78-8627-f1a9315663e5">EVEA5JW6U4JV-6-9770</_dlc_DocId>
+    <_dlc_DocIdUrl xmlns="037063e9-a85e-4c78-8627-f1a9315663e5">
+      <Url>https://portal.roitraining.com/Courses/_layouts/DocIdRedir.aspx?ID=EVEA5JW6U4JV-6-9770</Url>
+      <Description>EVEA5JW6U4JV-6-9770</Description>
+    </_dlc_DocIdUrl>
+    <Date_x0020_last_x0020_used xmlns="027ed24f-5970-4294-be5c-0919c5aaa214" xsi:nil="true"/>
+    <Customization_x0020_Information xmlns="027ed24f-5970-4294-be5c-0919c5aaa214" xsi:nil="true"/>
+  </documentManagement>
+</p:properties>
+</file>
+
+<file path=customXml/item4.xml><?xml version="1.0" encoding="utf-8"?>
 <ct:contentTypeSchema xmlns:ct="http://schemas.microsoft.com/office/2006/metadata/contentType" xmlns:ma="http://schemas.microsoft.com/office/2006/metadata/properties/metaAttributes" ct:_="" ma:_="" ma:contentTypeName="Document" ma:contentTypeID="0x0101006B08A054FD435346B287BB258D6D8C2A" ma:contentTypeVersion="2" ma:contentTypeDescription="Create a new document." ma:contentTypeScope="" ma:versionID="6146b90b4382322d8952632f355192b7">
   <xsd:schema xmlns:xsd="http://www.w3.org/2001/XMLSchema" xmlns:xs="http://www.w3.org/2001/XMLSchema" xmlns:p="http://schemas.microsoft.com/office/2006/metadata/properties" xmlns:ns2="027ed24f-5970-4294-be5c-0919c5aaa214" xmlns:ns3="037063e9-a85e-4c78-8627-f1a9315663e5" targetNamespace="http://schemas.microsoft.com/office/2006/metadata/properties" ma:root="true" ma:fieldsID="b5d91f802dafd2e22aeea528efbe2d3e" ns2:_="" ns3:_="">
     <xsd:import namespace="027ed24f-5970-4294-be5c-0919c5aaa214"/>
@@ -9524,76 +9599,34 @@
 </ct:contentTypeSchema>
 </file>
 
-<file path=customXml/item2.xml><?xml version="1.0" encoding="utf-8"?>
-<p:properties xmlns:p="http://schemas.microsoft.com/office/2006/metadata/properties" xmlns:xsi="http://www.w3.org/2001/XMLSchema-instance" xmlns:pc="http://schemas.microsoft.com/office/infopath/2007/PartnerControls">
-  <documentManagement>
-    <_dlc_DocId xmlns="037063e9-a85e-4c78-8627-f1a9315663e5">EVEA5JW6U4JV-6-9770</_dlc_DocId>
-    <_dlc_DocIdUrl xmlns="037063e9-a85e-4c78-8627-f1a9315663e5">
-      <Url>https://portal.roitraining.com/Courses/_layouts/DocIdRedir.aspx?ID=EVEA5JW6U4JV-6-9770</Url>
-      <Description>EVEA5JW6U4JV-6-9770</Description>
-    </_dlc_DocIdUrl>
-    <Date_x0020_last_x0020_used xmlns="027ed24f-5970-4294-be5c-0919c5aaa214" xsi:nil="true"/>
-    <Customization_x0020_Information xmlns="027ed24f-5970-4294-be5c-0919c5aaa214" xsi:nil="true"/>
-  </documentManagement>
-</p:properties>
+<file path=customXml/itemProps1.xml><?xml version="1.0" encoding="utf-8"?>
+<ds:datastoreItem xmlns:ds="http://schemas.openxmlformats.org/officeDocument/2006/customXml" ds:itemID="{B9043294-8302-4947-B882-02D6486F929C}">
+  <ds:schemaRefs>
+    <ds:schemaRef ds:uri="http://schemas.microsoft.com/sharepoint/events"/>
+  </ds:schemaRefs>
+</ds:datastoreItem>
 </file>
 
-<file path=customXml/item3.xml><?xml version="1.0" encoding="utf-8"?>
-<?mso-contentType ?>
-<FormTemplates xmlns="http://schemas.microsoft.com/sharepoint/v3/contenttype/forms">
-  <Display>DocumentLibraryForm</Display>
-  <Edit>DocumentLibraryForm</Edit>
-  <New>DocumentLibraryForm</New>
-</FormTemplates>
+<file path=customXml/itemProps2.xml><?xml version="1.0" encoding="utf-8"?>
+<ds:datastoreItem xmlns:ds="http://schemas.openxmlformats.org/officeDocument/2006/customXml" ds:itemID="{2DA015F3-603C-4688-A5F3-81D587DAB8C9}">
+  <ds:schemaRefs>
+    <ds:schemaRef ds:uri="http://schemas.microsoft.com/sharepoint/v3/contenttype/forms"/>
+  </ds:schemaRefs>
+</ds:datastoreItem>
 </file>
 
-<file path=customXml/item4.xml><?xml version="1.0" encoding="utf-8"?>
-<?mso-contentType ?>
-<spe:Receivers xmlns:spe="http://schemas.microsoft.com/sharepoint/events">
-  <Receiver>
-    <Name>Document ID Generator</Name>
-    <Synchronization>Synchronous</Synchronization>
-    <Type>10001</Type>
-    <SequenceNumber>1000</SequenceNumber>
-    <Assembly>Microsoft.Office.DocumentManagement, Version=14.0.0.0, Culture=neutral, PublicKeyToken=71e9bce111e9429c</Assembly>
-    <Class>Microsoft.Office.DocumentManagement.Internal.DocIdHandler</Class>
-    <Data/>
-    <Filter/>
-  </Receiver>
-  <Receiver>
-    <Name>Document ID Generator</Name>
-    <Synchronization>Synchronous</Synchronization>
-    <Type>10002</Type>
-    <SequenceNumber>1001</SequenceNumber>
-    <Assembly>Microsoft.Office.DocumentManagement, Version=14.0.0.0, Culture=neutral, PublicKeyToken=71e9bce111e9429c</Assembly>
-    <Class>Microsoft.Office.DocumentManagement.Internal.DocIdHandler</Class>
-    <Data/>
-    <Filter/>
-  </Receiver>
-  <Receiver>
-    <Name>Document ID Generator</Name>
-    <Synchronization>Synchronous</Synchronization>
-    <Type>10004</Type>
-    <SequenceNumber>1002</SequenceNumber>
-    <Assembly>Microsoft.Office.DocumentManagement, Version=14.0.0.0, Culture=neutral, PublicKeyToken=71e9bce111e9429c</Assembly>
-    <Class>Microsoft.Office.DocumentManagement.Internal.DocIdHandler</Class>
-    <Data/>
-    <Filter/>
-  </Receiver>
-  <Receiver>
-    <Name>Document ID Generator</Name>
-    <Synchronization>Synchronous</Synchronization>
-    <Type>10006</Type>
-    <SequenceNumber>1003</SequenceNumber>
-    <Assembly>Microsoft.Office.DocumentManagement, Version=14.0.0.0, Culture=neutral, PublicKeyToken=71e9bce111e9429c</Assembly>
-    <Class>Microsoft.Office.DocumentManagement.Internal.DocIdHandler</Class>
-    <Data/>
-    <Filter/>
-  </Receiver>
-</spe:Receivers>
+<file path=customXml/itemProps3.xml><?xml version="1.0" encoding="utf-8"?>
+<ds:datastoreItem xmlns:ds="http://schemas.openxmlformats.org/officeDocument/2006/customXml" ds:itemID="{F47B9207-CE5C-49AD-B414-15CBFA246D65}">
+  <ds:schemaRefs>
+    <ds:schemaRef ds:uri="http://schemas.microsoft.com/office/2006/metadata/properties"/>
+    <ds:schemaRef ds:uri="http://schemas.microsoft.com/office/infopath/2007/PartnerControls"/>
+    <ds:schemaRef ds:uri="037063e9-a85e-4c78-8627-f1a9315663e5"/>
+    <ds:schemaRef ds:uri="027ed24f-5970-4294-be5c-0919c5aaa214"/>
+  </ds:schemaRefs>
+</ds:datastoreItem>
 </file>
 
-<file path=customXml/itemProps1.xml><?xml version="1.0" encoding="utf-8"?>
+<file path=customXml/itemProps4.xml><?xml version="1.0" encoding="utf-8"?>
 <ds:datastoreItem xmlns:ds="http://schemas.openxmlformats.org/officeDocument/2006/customXml" ds:itemID="{B8E0886B-5092-4138-9EEE-28D3BFD5A483}">
   <ds:schemaRefs>
     <ds:schemaRef ds:uri="http://schemas.microsoft.com/office/2006/metadata/contentType"/>
@@ -9610,31 +9643,4 @@
     <ds:schemaRef ds:uri="http://schemas.microsoft.com/internal/obd"/>
   </ds:schemaRefs>
 </ds:datastoreItem>
-</file>
-
-<file path=customXml/itemProps2.xml><?xml version="1.0" encoding="utf-8"?>
-<ds:datastoreItem xmlns:ds="http://schemas.openxmlformats.org/officeDocument/2006/customXml" ds:itemID="{F47B9207-CE5C-49AD-B414-15CBFA246D65}">
-  <ds:schemaRefs>
-    <ds:schemaRef ds:uri="http://schemas.microsoft.com/office/2006/metadata/properties"/>
-    <ds:schemaRef ds:uri="http://schemas.microsoft.com/office/infopath/2007/PartnerControls"/>
-    <ds:schemaRef ds:uri="037063e9-a85e-4c78-8627-f1a9315663e5"/>
-    <ds:schemaRef ds:uri="027ed24f-5970-4294-be5c-0919c5aaa214"/>
-  </ds:schemaRefs>
-</ds:datastoreItem>
-</file>
-
-<file path=customXml/itemProps3.xml><?xml version="1.0" encoding="utf-8"?>
-<ds:datastoreItem xmlns:ds="http://schemas.openxmlformats.org/officeDocument/2006/customXml" ds:itemID="{2DA015F3-603C-4688-A5F3-81D587DAB8C9}">
-  <ds:schemaRefs>
-    <ds:schemaRef ds:uri="http://schemas.microsoft.com/sharepoint/v3/contenttype/forms"/>
-  </ds:schemaRefs>
-</ds:datastoreItem>
-</file>
-
-<file path=customXml/itemProps4.xml><?xml version="1.0" encoding="utf-8"?>
-<ds:datastoreItem xmlns:ds="http://schemas.openxmlformats.org/officeDocument/2006/customXml" ds:itemID="{B9043294-8302-4947-B882-02D6486F929C}">
-  <ds:schemaRefs>
-    <ds:schemaRef ds:uri="http://schemas.microsoft.com/sharepoint/events"/>
-  </ds:schemaRefs>
-</ds:datastoreItem>
 </file>
--- a/Day1/Ch01_HDFS.pptx
+++ b/Day1/Ch01_HDFS.pptx
@@ -7549,23 +7549,18 @@
               <a:buNone/>
             </a:pPr>
             <a:r>
+              <a:rPr lang="en-US" dirty="0" err="1">
+                <a:latin typeface="Courier New" panose="02070309020205020404" pitchFamily="49" charset="0"/>
+                <a:cs typeface="Courier New" panose="02070309020205020404" pitchFamily="49" charset="0"/>
+              </a:rPr>
+              <a:t>sudo</a:t>
+            </a:r>
+            <a:r>
               <a:rPr lang="en-US" dirty="0">
                 <a:latin typeface="Courier New" panose="02070309020205020404" pitchFamily="49" charset="0"/>
                 <a:cs typeface="Courier New" panose="02070309020205020404" pitchFamily="49" charset="0"/>
               </a:rPr>
-              <a:t>su – </a:t>
-            </a:r>
-          </a:p>
-          <a:p>
-            <a:pPr marL="457200" lvl="2" indent="0">
-              <a:buNone/>
-            </a:pPr>
-            <a:r>
-              <a:rPr lang="en-US" dirty="0">
-                <a:latin typeface="Courier New" panose="02070309020205020404" pitchFamily="49" charset="0"/>
-                <a:cs typeface="Courier New" panose="02070309020205020404" pitchFamily="49" charset="0"/>
-              </a:rPr>
-              <a:t>cd /home/student</a:t>
+              <a:t> base </a:t>
             </a:r>
           </a:p>
           <a:p>
@@ -7585,15 +7580,25 @@
               <a:buNone/>
             </a:pPr>
             <a:r>
+              <a:rPr lang="en-US" dirty="0" err="1">
+                <a:latin typeface="Courier New" panose="02070309020205020404" pitchFamily="49" charset="0"/>
+                <a:cs typeface="Courier New" panose="02070309020205020404" pitchFamily="49" charset="0"/>
+              </a:rPr>
+              <a:t>jps</a:t>
+            </a:r>
+            <a:br>
               <a:rPr lang="en-US" dirty="0">
                 <a:latin typeface="Courier New" panose="02070309020205020404" pitchFamily="49" charset="0"/>
                 <a:cs typeface="Courier New" panose="02070309020205020404" pitchFamily="49" charset="0"/>
               </a:rPr>
-              <a:t>jps</a:t>
-            </a:r>
-          </a:p>
-          <a:p>
-            <a:pPr lvl="2"/>
+            </a:br>
+            <a:r>
+              <a:rPr lang="en-US" dirty="0">
+                <a:latin typeface="Courier New" panose="02070309020205020404" pitchFamily="49" charset="0"/>
+                <a:cs typeface="Courier New" panose="02070309020205020404" pitchFamily="49" charset="0"/>
+              </a:rPr>
+              <a:t>exit</a:t>
+            </a:r>
             <a:endParaRPr lang="en-US" dirty="0"/>
           </a:p>
           <a:p>
@@ -9359,6 +9364,20 @@
 </file>
 
 <file path=customXml/item1.xml><?xml version="1.0" encoding="utf-8"?>
+<p:properties xmlns:p="http://schemas.microsoft.com/office/2006/metadata/properties" xmlns:xsi="http://www.w3.org/2001/XMLSchema-instance" xmlns:pc="http://schemas.microsoft.com/office/infopath/2007/PartnerControls">
+  <documentManagement>
+    <_dlc_DocId xmlns="037063e9-a85e-4c78-8627-f1a9315663e5">EVEA5JW6U4JV-6-9770</_dlc_DocId>
+    <_dlc_DocIdUrl xmlns="037063e9-a85e-4c78-8627-f1a9315663e5">
+      <Url>https://portal.roitraining.com/Courses/_layouts/DocIdRedir.aspx?ID=EVEA5JW6U4JV-6-9770</Url>
+      <Description>EVEA5JW6U4JV-6-9770</Description>
+    </_dlc_DocIdUrl>
+    <Date_x0020_last_x0020_used xmlns="027ed24f-5970-4294-be5c-0919c5aaa214" xsi:nil="true"/>
+    <Customization_x0020_Information xmlns="027ed24f-5970-4294-be5c-0919c5aaa214" xsi:nil="true"/>
+  </documentManagement>
+</p:properties>
+</file>
+
+<file path=customXml/item2.xml><?xml version="1.0" encoding="utf-8"?>
 <ct:contentTypeSchema xmlns:ct="http://schemas.microsoft.com/office/2006/metadata/contentType" xmlns:ma="http://schemas.microsoft.com/office/2006/metadata/properties/metaAttributes" ct:_="" ma:_="" ma:contentTypeName="Document" ma:contentTypeID="0x0101006B08A054FD435346B287BB258D6D8C2A" ma:contentTypeVersion="2" ma:contentTypeDescription="Create a new document." ma:contentTypeScope="" ma:versionID="6146b90b4382322d8952632f355192b7">
   <xsd:schema xmlns:xsd="http://www.w3.org/2001/XMLSchema" xmlns:xs="http://www.w3.org/2001/XMLSchema" xmlns:p="http://schemas.microsoft.com/office/2006/metadata/properties" xmlns:ns2="027ed24f-5970-4294-be5c-0919c5aaa214" xmlns:ns3="037063e9-a85e-4c78-8627-f1a9315663e5" targetNamespace="http://schemas.microsoft.com/office/2006/metadata/properties" ma:root="true" ma:fieldsID="b5d91f802dafd2e22aeea528efbe2d3e" ns2:_="" ns3:_="">
     <xsd:import namespace="027ed24f-5970-4294-be5c-0919c5aaa214"/>
@@ -9524,30 +9543,7 @@
 </ct:contentTypeSchema>
 </file>
 
-<file path=customXml/item2.xml><?xml version="1.0" encoding="utf-8"?>
-<p:properties xmlns:p="http://schemas.microsoft.com/office/2006/metadata/properties" xmlns:xsi="http://www.w3.org/2001/XMLSchema-instance" xmlns:pc="http://schemas.microsoft.com/office/infopath/2007/PartnerControls">
-  <documentManagement>
-    <_dlc_DocId xmlns="037063e9-a85e-4c78-8627-f1a9315663e5">EVEA5JW6U4JV-6-9770</_dlc_DocId>
-    <_dlc_DocIdUrl xmlns="037063e9-a85e-4c78-8627-f1a9315663e5">
-      <Url>https://portal.roitraining.com/Courses/_layouts/DocIdRedir.aspx?ID=EVEA5JW6U4JV-6-9770</Url>
-      <Description>EVEA5JW6U4JV-6-9770</Description>
-    </_dlc_DocIdUrl>
-    <Date_x0020_last_x0020_used xmlns="027ed24f-5970-4294-be5c-0919c5aaa214" xsi:nil="true"/>
-    <Customization_x0020_Information xmlns="027ed24f-5970-4294-be5c-0919c5aaa214" xsi:nil="true"/>
-  </documentManagement>
-</p:properties>
-</file>
-
 <file path=customXml/item3.xml><?xml version="1.0" encoding="utf-8"?>
-<?mso-contentType ?>
-<FormTemplates xmlns="http://schemas.microsoft.com/sharepoint/v3/contenttype/forms">
-  <Display>DocumentLibraryForm</Display>
-  <Edit>DocumentLibraryForm</Edit>
-  <New>DocumentLibraryForm</New>
-</FormTemplates>
-</file>
-
-<file path=customXml/item4.xml><?xml version="1.0" encoding="utf-8"?>
 <?mso-contentType ?>
 <spe:Receivers xmlns:spe="http://schemas.microsoft.com/sharepoint/events">
   <Receiver>
@@ -9593,7 +9589,27 @@
 </spe:Receivers>
 </file>
 
+<file path=customXml/item4.xml><?xml version="1.0" encoding="utf-8"?>
+<?mso-contentType ?>
+<FormTemplates xmlns="http://schemas.microsoft.com/sharepoint/v3/contenttype/forms">
+  <Display>DocumentLibraryForm</Display>
+  <Edit>DocumentLibraryForm</Edit>
+  <New>DocumentLibraryForm</New>
+</FormTemplates>
+</file>
+
 <file path=customXml/itemProps1.xml><?xml version="1.0" encoding="utf-8"?>
+<ds:datastoreItem xmlns:ds="http://schemas.openxmlformats.org/officeDocument/2006/customXml" ds:itemID="{F47B9207-CE5C-49AD-B414-15CBFA246D65}">
+  <ds:schemaRefs>
+    <ds:schemaRef ds:uri="http://schemas.microsoft.com/office/2006/metadata/properties"/>
+    <ds:schemaRef ds:uri="http://schemas.microsoft.com/office/infopath/2007/PartnerControls"/>
+    <ds:schemaRef ds:uri="037063e9-a85e-4c78-8627-f1a9315663e5"/>
+    <ds:schemaRef ds:uri="027ed24f-5970-4294-be5c-0919c5aaa214"/>
+  </ds:schemaRefs>
+</ds:datastoreItem>
+</file>
+
+<file path=customXml/itemProps2.xml><?xml version="1.0" encoding="utf-8"?>
 <ds:datastoreItem xmlns:ds="http://schemas.openxmlformats.org/officeDocument/2006/customXml" ds:itemID="{B8E0886B-5092-4138-9EEE-28D3BFD5A483}">
   <ds:schemaRefs>
     <ds:schemaRef ds:uri="http://schemas.microsoft.com/office/2006/metadata/contentType"/>
@@ -9612,29 +9628,18 @@
 </ds:datastoreItem>
 </file>
 
-<file path=customXml/itemProps2.xml><?xml version="1.0" encoding="utf-8"?>
-<ds:datastoreItem xmlns:ds="http://schemas.openxmlformats.org/officeDocument/2006/customXml" ds:itemID="{F47B9207-CE5C-49AD-B414-15CBFA246D65}">
+<file path=customXml/itemProps3.xml><?xml version="1.0" encoding="utf-8"?>
+<ds:datastoreItem xmlns:ds="http://schemas.openxmlformats.org/officeDocument/2006/customXml" ds:itemID="{B9043294-8302-4947-B882-02D6486F929C}">
   <ds:schemaRefs>
-    <ds:schemaRef ds:uri="http://schemas.microsoft.com/office/2006/metadata/properties"/>
-    <ds:schemaRef ds:uri="http://schemas.microsoft.com/office/infopath/2007/PartnerControls"/>
-    <ds:schemaRef ds:uri="037063e9-a85e-4c78-8627-f1a9315663e5"/>
-    <ds:schemaRef ds:uri="027ed24f-5970-4294-be5c-0919c5aaa214"/>
+    <ds:schemaRef ds:uri="http://schemas.microsoft.com/sharepoint/events"/>
   </ds:schemaRefs>
 </ds:datastoreItem>
 </file>
 
-<file path=customXml/itemProps3.xml><?xml version="1.0" encoding="utf-8"?>
+<file path=customXml/itemProps4.xml><?xml version="1.0" encoding="utf-8"?>
 <ds:datastoreItem xmlns:ds="http://schemas.openxmlformats.org/officeDocument/2006/customXml" ds:itemID="{2DA015F3-603C-4688-A5F3-81D587DAB8C9}">
   <ds:schemaRefs>
     <ds:schemaRef ds:uri="http://schemas.microsoft.com/sharepoint/v3/contenttype/forms"/>
   </ds:schemaRefs>
 </ds:datastoreItem>
-</file>
-
-<file path=customXml/itemProps4.xml><?xml version="1.0" encoding="utf-8"?>
-<ds:datastoreItem xmlns:ds="http://schemas.openxmlformats.org/officeDocument/2006/customXml" ds:itemID="{B9043294-8302-4947-B882-02D6486F929C}">
-  <ds:schemaRefs>
-    <ds:schemaRef ds:uri="http://schemas.microsoft.com/sharepoint/events"/>
-  </ds:schemaRefs>
-</ds:datastoreItem>
 </file>
--- a/Day1/Ch01_HDFS.pptx
+++ b/Day1/Ch01_HDFS.pptx
@@ -7556,12 +7556,16 @@
               <a:t>sudo</a:t>
             </a:r>
             <a:r>
-              <a:rPr lang="en-US" dirty="0">
+              <a:rPr lang="en-US">
                 <a:latin typeface="Courier New" panose="02070309020205020404" pitchFamily="49" charset="0"/>
                 <a:cs typeface="Courier New" panose="02070309020205020404" pitchFamily="49" charset="0"/>
               </a:rPr>
-              <a:t> base </a:t>
-            </a:r>
+              <a:t> bash </a:t>
+            </a:r>
+            <a:endParaRPr lang="en-US" dirty="0">
+              <a:latin typeface="Courier New" panose="02070309020205020404" pitchFamily="49" charset="0"/>
+              <a:cs typeface="Courier New" panose="02070309020205020404" pitchFamily="49" charset="0"/>
+            </a:endParaRPr>
           </a:p>
           <a:p>
             <a:pPr marL="457200" lvl="2" indent="0">
@@ -9364,17 +9368,49 @@
 </file>
 
 <file path=customXml/item1.xml><?xml version="1.0" encoding="utf-8"?>
-<p:properties xmlns:p="http://schemas.microsoft.com/office/2006/metadata/properties" xmlns:xsi="http://www.w3.org/2001/XMLSchema-instance" xmlns:pc="http://schemas.microsoft.com/office/infopath/2007/PartnerControls">
-  <documentManagement>
-    <_dlc_DocId xmlns="037063e9-a85e-4c78-8627-f1a9315663e5">EVEA5JW6U4JV-6-9770</_dlc_DocId>
-    <_dlc_DocIdUrl xmlns="037063e9-a85e-4c78-8627-f1a9315663e5">
-      <Url>https://portal.roitraining.com/Courses/_layouts/DocIdRedir.aspx?ID=EVEA5JW6U4JV-6-9770</Url>
-      <Description>EVEA5JW6U4JV-6-9770</Description>
-    </_dlc_DocIdUrl>
-    <Date_x0020_last_x0020_used xmlns="027ed24f-5970-4294-be5c-0919c5aaa214" xsi:nil="true"/>
-    <Customization_x0020_Information xmlns="027ed24f-5970-4294-be5c-0919c5aaa214" xsi:nil="true"/>
-  </documentManagement>
-</p:properties>
+<?mso-contentType ?>
+<spe:Receivers xmlns:spe="http://schemas.microsoft.com/sharepoint/events">
+  <Receiver>
+    <Name>Document ID Generator</Name>
+    <Synchronization>Synchronous</Synchronization>
+    <Type>10001</Type>
+    <SequenceNumber>1000</SequenceNumber>
+    <Assembly>Microsoft.Office.DocumentManagement, Version=14.0.0.0, Culture=neutral, PublicKeyToken=71e9bce111e9429c</Assembly>
+    <Class>Microsoft.Office.DocumentManagement.Internal.DocIdHandler</Class>
+    <Data/>
+    <Filter/>
+  </Receiver>
+  <Receiver>
+    <Name>Document ID Generator</Name>
+    <Synchronization>Synchronous</Synchronization>
+    <Type>10002</Type>
+    <SequenceNumber>1001</SequenceNumber>
+    <Assembly>Microsoft.Office.DocumentManagement, Version=14.0.0.0, Culture=neutral, PublicKeyToken=71e9bce111e9429c</Assembly>
+    <Class>Microsoft.Office.DocumentManagement.Internal.DocIdHandler</Class>
+    <Data/>
+    <Filter/>
+  </Receiver>
+  <Receiver>
+    <Name>Document ID Generator</Name>
+    <Synchronization>Synchronous</Synchronization>
+    <Type>10004</Type>
+    <SequenceNumber>1002</SequenceNumber>
+    <Assembly>Microsoft.Office.DocumentManagement, Version=14.0.0.0, Culture=neutral, PublicKeyToken=71e9bce111e9429c</Assembly>
+    <Class>Microsoft.Office.DocumentManagement.Internal.DocIdHandler</Class>
+    <Data/>
+    <Filter/>
+  </Receiver>
+  <Receiver>
+    <Name>Document ID Generator</Name>
+    <Synchronization>Synchronous</Synchronization>
+    <Type>10006</Type>
+    <SequenceNumber>1003</SequenceNumber>
+    <Assembly>Microsoft.Office.DocumentManagement, Version=14.0.0.0, Culture=neutral, PublicKeyToken=71e9bce111e9429c</Assembly>
+    <Class>Microsoft.Office.DocumentManagement.Internal.DocIdHandler</Class>
+    <Data/>
+    <Filter/>
+  </Receiver>
+</spe:Receivers>
 </file>
 
 <file path=customXml/item2.xml><?xml version="1.0" encoding="utf-8"?>
@@ -9544,49 +9580,17 @@
 </file>
 
 <file path=customXml/item3.xml><?xml version="1.0" encoding="utf-8"?>
-<?mso-contentType ?>
-<spe:Receivers xmlns:spe="http://schemas.microsoft.com/sharepoint/events">
-  <Receiver>
-    <Name>Document ID Generator</Name>
-    <Synchronization>Synchronous</Synchronization>
-    <Type>10001</Type>
-    <SequenceNumber>1000</SequenceNumber>
-    <Assembly>Microsoft.Office.DocumentManagement, Version=14.0.0.0, Culture=neutral, PublicKeyToken=71e9bce111e9429c</Assembly>
-    <Class>Microsoft.Office.DocumentManagement.Internal.DocIdHandler</Class>
-    <Data/>
-    <Filter/>
-  </Receiver>
-  <Receiver>
-    <Name>Document ID Generator</Name>
-    <Synchronization>Synchronous</Synchronization>
-    <Type>10002</Type>
-    <SequenceNumber>1001</SequenceNumber>
-    <Assembly>Microsoft.Office.DocumentManagement, Version=14.0.0.0, Culture=neutral, PublicKeyToken=71e9bce111e9429c</Assembly>
-    <Class>Microsoft.Office.DocumentManagement.Internal.DocIdHandler</Class>
-    <Data/>
-    <Filter/>
-  </Receiver>
-  <Receiver>
-    <Name>Document ID Generator</Name>
-    <Synchronization>Synchronous</Synchronization>
-    <Type>10004</Type>
-    <SequenceNumber>1002</SequenceNumber>
-    <Assembly>Microsoft.Office.DocumentManagement, Version=14.0.0.0, Culture=neutral, PublicKeyToken=71e9bce111e9429c</Assembly>
-    <Class>Microsoft.Office.DocumentManagement.Internal.DocIdHandler</Class>
-    <Data/>
-    <Filter/>
-  </Receiver>
-  <Receiver>
-    <Name>Document ID Generator</Name>
-    <Synchronization>Synchronous</Synchronization>
-    <Type>10006</Type>
-    <SequenceNumber>1003</SequenceNumber>
-    <Assembly>Microsoft.Office.DocumentManagement, Version=14.0.0.0, Culture=neutral, PublicKeyToken=71e9bce111e9429c</Assembly>
-    <Class>Microsoft.Office.DocumentManagement.Internal.DocIdHandler</Class>
-    <Data/>
-    <Filter/>
-  </Receiver>
-</spe:Receivers>
+<p:properties xmlns:p="http://schemas.microsoft.com/office/2006/metadata/properties" xmlns:xsi="http://www.w3.org/2001/XMLSchema-instance" xmlns:pc="http://schemas.microsoft.com/office/infopath/2007/PartnerControls">
+  <documentManagement>
+    <_dlc_DocId xmlns="037063e9-a85e-4c78-8627-f1a9315663e5">EVEA5JW6U4JV-6-9770</_dlc_DocId>
+    <_dlc_DocIdUrl xmlns="037063e9-a85e-4c78-8627-f1a9315663e5">
+      <Url>https://portal.roitraining.com/Courses/_layouts/DocIdRedir.aspx?ID=EVEA5JW6U4JV-6-9770</Url>
+      <Description>EVEA5JW6U4JV-6-9770</Description>
+    </_dlc_DocIdUrl>
+    <Date_x0020_last_x0020_used xmlns="027ed24f-5970-4294-be5c-0919c5aaa214" xsi:nil="true"/>
+    <Customization_x0020_Information xmlns="027ed24f-5970-4294-be5c-0919c5aaa214" xsi:nil="true"/>
+  </documentManagement>
+</p:properties>
 </file>
 
 <file path=customXml/item4.xml><?xml version="1.0" encoding="utf-8"?>
@@ -9599,12 +9603,9 @@
 </file>
 
 <file path=customXml/itemProps1.xml><?xml version="1.0" encoding="utf-8"?>
-<ds:datastoreItem xmlns:ds="http://schemas.openxmlformats.org/officeDocument/2006/customXml" ds:itemID="{F47B9207-CE5C-49AD-B414-15CBFA246D65}">
+<ds:datastoreItem xmlns:ds="http://schemas.openxmlformats.org/officeDocument/2006/customXml" ds:itemID="{B9043294-8302-4947-B882-02D6486F929C}">
   <ds:schemaRefs>
-    <ds:schemaRef ds:uri="http://schemas.microsoft.com/office/2006/metadata/properties"/>
-    <ds:schemaRef ds:uri="http://schemas.microsoft.com/office/infopath/2007/PartnerControls"/>
-    <ds:schemaRef ds:uri="037063e9-a85e-4c78-8627-f1a9315663e5"/>
-    <ds:schemaRef ds:uri="027ed24f-5970-4294-be5c-0919c5aaa214"/>
+    <ds:schemaRef ds:uri="http://schemas.microsoft.com/sharepoint/events"/>
   </ds:schemaRefs>
 </ds:datastoreItem>
 </file>
@@ -9629,9 +9630,12 @@
 </file>
 
 <file path=customXml/itemProps3.xml><?xml version="1.0" encoding="utf-8"?>
-<ds:datastoreItem xmlns:ds="http://schemas.openxmlformats.org/officeDocument/2006/customXml" ds:itemID="{B9043294-8302-4947-B882-02D6486F929C}">
+<ds:datastoreItem xmlns:ds="http://schemas.openxmlformats.org/officeDocument/2006/customXml" ds:itemID="{F47B9207-CE5C-49AD-B414-15CBFA246D65}">
   <ds:schemaRefs>
-    <ds:schemaRef ds:uri="http://schemas.microsoft.com/sharepoint/events"/>
+    <ds:schemaRef ds:uri="http://schemas.microsoft.com/office/2006/metadata/properties"/>
+    <ds:schemaRef ds:uri="http://schemas.microsoft.com/office/infopath/2007/PartnerControls"/>
+    <ds:schemaRef ds:uri="037063e9-a85e-4c78-8627-f1a9315663e5"/>
+    <ds:schemaRef ds:uri="027ed24f-5970-4294-be5c-0919c5aaa214"/>
   </ds:schemaRefs>
 </ds:datastoreItem>
 </file>
